--- a/JAVA PPT/Day21 NO animation.pptx
+++ b/JAVA PPT/Day21 NO animation.pptx
@@ -19,7 +19,6 @@
     <p:sldId id="331" r:id="rId12"/>
     <p:sldId id="330" r:id="rId13"/>
     <p:sldId id="324" r:id="rId14"/>
-    <p:sldId id="322" r:id="rId15"/>
   </p:sldIdLst>
   <p:sldSz cx="9144000" cy="5143500" type="screen16x9"/>
   <p:notesSz cx="6858000" cy="9144000"/>
@@ -255,6 +254,16 @@
   <p:extLst>
     <p:ext uri="{EFAFB233-063F-42B5-8137-9DF3F51BA10A}">
       <p15:sldGuideLst xmlns:p15="http://schemas.microsoft.com/office/powerpoint/2012/main">
+        <p15:guide id="1" orient="horz" pos="1620" userDrawn="1">
+          <p15:clr>
+            <a:srgbClr val="A4A3A4"/>
+          </p15:clr>
+        </p15:guide>
+        <p15:guide id="2" pos="2880" userDrawn="1">
+          <p15:clr>
+            <a:srgbClr val="A4A3A4"/>
+          </p15:clr>
+        </p15:guide>
         <p15:guide id="1" orient="horz" pos="1630" userDrawn="1">
           <p15:clr>
             <a:srgbClr val="A4A3A4"/>
@@ -922,109 +931,6 @@
 </file>
 
 <file path=ppt/notesSlides/notesSlide11.xml><?xml version="1.0" encoding="utf-8"?>
-<p:notes xmlns:a="http://schemas.openxmlformats.org/drawingml/2006/main" xmlns:r="http://schemas.openxmlformats.org/officeDocument/2006/relationships" xmlns:p="http://schemas.openxmlformats.org/presentationml/2006/main" showMasterPhAnim="0" showMasterSp="0">
-  <p:cSld>
-    <p:spTree>
-      <p:nvGrpSpPr>
-        <p:cNvPr id="1" name="Shape 454"/>
-        <p:cNvGrpSpPr/>
-        <p:nvPr/>
-      </p:nvGrpSpPr>
-      <p:grpSpPr>
-        <a:xfrm>
-          <a:off x="0" y="0"/>
-          <a:ext cx="0" cy="0"/>
-          <a:chOff x="0" y="0"/>
-          <a:chExt cx="0" cy="0"/>
-        </a:xfrm>
-      </p:grpSpPr>
-      <p:sp>
-        <p:nvSpPr>
-          <p:cNvPr id="455" name="Google Shape;455;ge7b5133482_0_0:notes"/>
-          <p:cNvSpPr>
-            <a:spLocks noGrp="1" noRot="1" noChangeAspect="1"/>
-          </p:cNvSpPr>
-          <p:nvPr>
-            <p:ph type="sldImg" idx="2"/>
-          </p:nvPr>
-        </p:nvSpPr>
-        <p:spPr>
-          <a:xfrm>
-            <a:off x="381000" y="685800"/>
-            <a:ext cx="6096000" cy="3429000"/>
-          </a:xfrm>
-          <a:custGeom>
-            <a:avLst/>
-            <a:gdLst/>
-            <a:ahLst/>
-            <a:cxnLst/>
-            <a:rect l="l" t="t" r="r" b="b"/>
-            <a:pathLst>
-              <a:path w="120000" h="120000" extrusionOk="0">
-                <a:moveTo>
-                  <a:pt x="0" y="0"/>
-                </a:moveTo>
-                <a:lnTo>
-                  <a:pt x="120000" y="0"/>
-                </a:lnTo>
-                <a:lnTo>
-                  <a:pt x="120000" y="120000"/>
-                </a:lnTo>
-                <a:lnTo>
-                  <a:pt x="0" y="120000"/>
-                </a:lnTo>
-                <a:close/>
-              </a:path>
-            </a:pathLst>
-          </a:custGeom>
-        </p:spPr>
-      </p:sp>
-      <p:sp>
-        <p:nvSpPr>
-          <p:cNvPr id="456" name="Google Shape;456;ge7b5133482_0_0:notes"/>
-          <p:cNvSpPr txBox="1">
-            <a:spLocks noGrp="1"/>
-          </p:cNvSpPr>
-          <p:nvPr>
-            <p:ph type="body" idx="1"/>
-          </p:nvPr>
-        </p:nvSpPr>
-        <p:spPr>
-          <a:xfrm>
-            <a:off x="685800" y="4343400"/>
-            <a:ext cx="5486400" cy="4114800"/>
-          </a:xfrm>
-          <a:prstGeom prst="rect">
-            <a:avLst/>
-          </a:prstGeom>
-        </p:spPr>
-        <p:txBody>
-          <a:bodyPr spcFirstLastPara="1" wrap="square" lIns="91425" tIns="91425" rIns="91425" bIns="91425" anchor="t" anchorCtr="0">
-            <a:noAutofit/>
-          </a:bodyPr>
-          <a:lstStyle/>
-          <a:p>
-            <a:pPr marL="0" lvl="0" indent="0" algn="l" rtl="0">
-              <a:spcBef>
-                <a:spcPts val="0"/>
-              </a:spcBef>
-              <a:spcAft>
-                <a:spcPts val="0"/>
-              </a:spcAft>
-              <a:buNone/>
-            </a:pPr>
-          </a:p>
-        </p:txBody>
-      </p:sp>
-    </p:spTree>
-  </p:cSld>
-  <p:clrMapOvr>
-    <a:masterClrMapping/>
-  </p:clrMapOvr>
-</p:notes>
-</file>
-
-<file path=ppt/notesSlides/notesSlide12.xml><?xml version="1.0" encoding="utf-8"?>
 <p:notes xmlns:a="http://schemas.openxmlformats.org/drawingml/2006/main" xmlns:r="http://schemas.openxmlformats.org/officeDocument/2006/relationships" xmlns:p="http://schemas.openxmlformats.org/presentationml/2006/main" showMasterPhAnim="0" showMasterSp="0">
   <p:cSld>
     <p:spTree>
@@ -10876,23 +10782,27 @@
       </p:sp>
       <p:pic>
         <p:nvPicPr>
-          <p:cNvPr id="2" name="Picture 1" descr="multi1"/>
+          <p:cNvPr id="3" name="Picture 2"/>
           <p:cNvPicPr>
             <a:picLocks noChangeAspect="1"/>
           </p:cNvPicPr>
-          <p:nvPr/>
+          <p:nvPr>
+            <p:custDataLst>
+              <p:tags r:id="rId1"/>
+            </p:custDataLst>
+          </p:nvPr>
         </p:nvPicPr>
         <p:blipFill>
-          <a:blip r:embed="rId1"/>
-          <a:srcRect l="5989" t="9691" r="5756" b="10012"/>
+          <a:blip r:embed="rId2"/>
+          <a:srcRect l="5352" t="6629" r="5001" b="6853"/>
           <a:stretch>
             <a:fillRect/>
           </a:stretch>
         </p:blipFill>
         <p:spPr>
           <a:xfrm>
-            <a:off x="1311275" y="1073785"/>
-            <a:ext cx="5113020" cy="2742565"/>
+            <a:off x="1501140" y="980440"/>
+            <a:ext cx="6080125" cy="3182620"/>
           </a:xfrm>
           <a:prstGeom prst="rect">
             <a:avLst/>
@@ -11108,25 +11018,74 @@
           </a:p>
         </p:txBody>
       </p:sp>
+      <p:sp>
+        <p:nvSpPr>
+          <p:cNvPr id="8" name="Text Box 7"/>
+          <p:cNvSpPr txBox="1"/>
+          <p:nvPr>
+            <p:custDataLst>
+              <p:tags r:id="rId1"/>
+            </p:custDataLst>
+          </p:nvPr>
+        </p:nvSpPr>
+        <p:spPr>
+          <a:xfrm>
+            <a:off x="1142365" y="624840"/>
+            <a:ext cx="4279900" cy="398780"/>
+          </a:xfrm>
+          <a:prstGeom prst="rect">
+            <a:avLst/>
+          </a:prstGeom>
+          <a:noFill/>
+        </p:spPr>
+        <p:txBody>
+          <a:bodyPr wrap="square" rtlCol="0">
+            <a:spAutoFit/>
+          </a:bodyPr>
+          <a:p>
+            <a:r>
+              <a:rPr lang="en-US" sz="2000">
+                <a:solidFill>
+                  <a:srgbClr val="FF0000"/>
+                </a:solidFill>
+                <a:latin typeface="firacode" charset="0"/>
+                <a:cs typeface="firacode" charset="0"/>
+              </a:rPr>
+              <a:t>Using Runnable interface :</a:t>
+            </a:r>
+            <a:endParaRPr lang="en-US" sz="2000">
+              <a:solidFill>
+                <a:srgbClr val="FF0000"/>
+              </a:solidFill>
+              <a:latin typeface="firacode" charset="0"/>
+              <a:cs typeface="firacode" charset="0"/>
+            </a:endParaRPr>
+          </a:p>
+        </p:txBody>
+      </p:sp>
       <p:pic>
         <p:nvPicPr>
-          <p:cNvPr id="4" name="Picture 3" descr="interface1"/>
+          <p:cNvPr id="2" name="Picture 1"/>
           <p:cNvPicPr>
             <a:picLocks noChangeAspect="1"/>
           </p:cNvPicPr>
-          <p:nvPr/>
+          <p:nvPr>
+            <p:custDataLst>
+              <p:tags r:id="rId2"/>
+            </p:custDataLst>
+          </p:nvPr>
         </p:nvPicPr>
         <p:blipFill>
-          <a:blip r:embed="rId1"/>
-          <a:srcRect l="3563" t="7046" r="3424" b="7324"/>
+          <a:blip r:embed="rId3"/>
+          <a:srcRect l="3189" t="6970" r="2922" b="6991"/>
           <a:stretch>
             <a:fillRect/>
           </a:stretch>
         </p:blipFill>
         <p:spPr>
           <a:xfrm>
-            <a:off x="1160780" y="875030"/>
-            <a:ext cx="4060190" cy="3546475"/>
+            <a:off x="1160780" y="1323975"/>
+            <a:ext cx="4130675" cy="2963545"/>
           </a:xfrm>
           <a:prstGeom prst="rect">
             <a:avLst/>
@@ -11135,267 +11094,27 @@
       </p:pic>
       <p:pic>
         <p:nvPicPr>
-          <p:cNvPr id="5" name="Picture 4" descr="interface2"/>
+          <p:cNvPr id="3" name="Picture 2"/>
           <p:cNvPicPr>
             <a:picLocks noChangeAspect="1"/>
           </p:cNvPicPr>
-          <p:nvPr/>
+          <p:nvPr>
+            <p:custDataLst>
+              <p:tags r:id="rId4"/>
+            </p:custDataLst>
+          </p:nvPr>
         </p:nvPicPr>
         <p:blipFill>
-          <a:blip r:embed="rId2"/>
-          <a:srcRect l="8889" t="19384" r="8731" b="19203"/>
+          <a:blip r:embed="rId5"/>
+          <a:srcRect l="7604" t="16815" r="7717" b="14796"/>
           <a:stretch>
             <a:fillRect/>
           </a:stretch>
         </p:blipFill>
         <p:spPr>
           <a:xfrm>
-            <a:off x="5525770" y="1985010"/>
-            <a:ext cx="3211195" cy="1334135"/>
-          </a:xfrm>
-          <a:prstGeom prst="rect">
-            <a:avLst/>
-          </a:prstGeom>
-        </p:spPr>
-      </p:pic>
-    </p:spTree>
-  </p:cSld>
-  <p:clrMapOvr>
-    <a:masterClrMapping/>
-  </p:clrMapOvr>
-  <p:timing>
-    <p:tnLst>
-      <p:par>
-        <p:cTn id="1" dur="indefinite" restart="never" nodeType="tmRoot"/>
-      </p:par>
-    </p:tnLst>
-  </p:timing>
-</p:sld>
-</file>
-
-<file path=ppt/slides/slide12.xml><?xml version="1.0" encoding="utf-8"?>
-<p:sld xmlns:a="http://schemas.openxmlformats.org/drawingml/2006/main" xmlns:r="http://schemas.openxmlformats.org/officeDocument/2006/relationships" xmlns:p="http://schemas.openxmlformats.org/presentationml/2006/main">
-  <p:cSld>
-    <p:spTree>
-      <p:nvGrpSpPr>
-        <p:cNvPr id="1" name="Shape 457"/>
-        <p:cNvGrpSpPr/>
-        <p:nvPr/>
-      </p:nvGrpSpPr>
-      <p:grpSpPr>
-        <a:xfrm>
-          <a:off x="0" y="0"/>
-          <a:ext cx="0" cy="0"/>
-          <a:chOff x="0" y="0"/>
-          <a:chExt cx="0" cy="0"/>
-        </a:xfrm>
-      </p:grpSpPr>
-      <p:sp>
-        <p:nvSpPr>
-          <p:cNvPr id="460" name="Google Shape;460;p27"/>
-          <p:cNvSpPr txBox="1">
-            <a:spLocks noGrp="1"/>
-          </p:cNvSpPr>
-          <p:nvPr>
-            <p:ph type="subTitle" idx="1"/>
-          </p:nvPr>
-        </p:nvSpPr>
-        <p:spPr>
-          <a:xfrm>
-            <a:off x="660595" y="4694725"/>
-            <a:ext cx="4865100" cy="357300"/>
-          </a:xfrm>
-          <a:prstGeom prst="rect">
-            <a:avLst/>
-          </a:prstGeom>
-        </p:spPr>
-        <p:txBody>
-          <a:bodyPr spcFirstLastPara="1" wrap="square" lIns="91425" tIns="91425" rIns="91425" bIns="91425" anchor="ctr" anchorCtr="0">
-            <a:noAutofit/>
-          </a:bodyPr>
-          <a:lstStyle/>
-          <a:p>
-            <a:pPr marL="0" lvl="0" indent="0" algn="l" rtl="0">
-              <a:spcBef>
-                <a:spcPts val="0"/>
-              </a:spcBef>
-              <a:spcAft>
-                <a:spcPts val="0"/>
-              </a:spcAft>
-              <a:buNone/>
-            </a:pPr>
-            <a:r>
-              <a:rPr lang="en-GB" sz="1400" dirty="0">
-                <a:solidFill>
-                  <a:schemeClr val="accent3"/>
-                </a:solidFill>
-              </a:rPr>
-              <a:t>JAVA Programming</a:t>
-            </a:r>
-            <a:endParaRPr sz="1400" dirty="0">
-              <a:solidFill>
-                <a:schemeClr val="accent3"/>
-              </a:solidFill>
-            </a:endParaRPr>
-          </a:p>
-        </p:txBody>
-      </p:sp>
-      <p:sp>
-        <p:nvSpPr>
-          <p:cNvPr id="465" name="Google Shape;465;p27"/>
-          <p:cNvSpPr txBox="1">
-            <a:spLocks noGrp="1"/>
-          </p:cNvSpPr>
-          <p:nvPr>
-            <p:ph type="subTitle" idx="1"/>
-          </p:nvPr>
-        </p:nvSpPr>
-        <p:spPr>
-          <a:xfrm>
-            <a:off x="-5975" y="91525"/>
-            <a:ext cx="4572000" cy="357300"/>
-          </a:xfrm>
-          <a:prstGeom prst="rect">
-            <a:avLst/>
-          </a:prstGeom>
-        </p:spPr>
-        <p:txBody>
-          <a:bodyPr spcFirstLastPara="1" wrap="square" lIns="91425" tIns="91425" rIns="91425" bIns="91425" anchor="ctr" anchorCtr="0">
-            <a:noAutofit/>
-          </a:bodyPr>
-          <a:lstStyle/>
-          <a:p>
-            <a:pPr marL="0" lvl="0" indent="0" algn="ctr" rtl="0">
-              <a:spcBef>
-                <a:spcPts val="0"/>
-              </a:spcBef>
-              <a:spcAft>
-                <a:spcPts val="0"/>
-              </a:spcAft>
-              <a:buNone/>
-            </a:pPr>
-            <a:r>
-              <a:rPr lang="en-GB" sz="1400" dirty="0"/>
-              <a:t>Hiveed</a:t>
-            </a:r>
-            <a:r>
-              <a:rPr lang="en-GB" sz="1400" dirty="0">
-                <a:solidFill>
-                  <a:schemeClr val="accent3"/>
-                </a:solidFill>
-              </a:rPr>
-              <a:t>.</a:t>
-            </a:r>
-            <a:r>
-              <a:rPr lang="en-GB" sz="1400" dirty="0"/>
-              <a:t>java</a:t>
-            </a:r>
-            <a:endParaRPr sz="1400" dirty="0">
-              <a:solidFill>
-                <a:schemeClr val="accent3"/>
-              </a:solidFill>
-            </a:endParaRPr>
-          </a:p>
-        </p:txBody>
-      </p:sp>
-      <p:sp>
-        <p:nvSpPr>
-          <p:cNvPr id="9" name="Text Box 8"/>
-          <p:cNvSpPr txBox="1"/>
-          <p:nvPr/>
-        </p:nvSpPr>
-        <p:spPr>
-          <a:xfrm>
-            <a:off x="1160145" y="1271270"/>
-            <a:ext cx="4279900" cy="398780"/>
-          </a:xfrm>
-          <a:prstGeom prst="rect">
-            <a:avLst/>
-          </a:prstGeom>
-          <a:noFill/>
-        </p:spPr>
-        <p:txBody>
-          <a:bodyPr wrap="square" rtlCol="0">
-            <a:spAutoFit/>
-          </a:bodyPr>
-          <a:p>
-            <a:r>
-              <a:rPr lang="en-US" sz="2000">
-                <a:solidFill>
-                  <a:srgbClr val="FF0000"/>
-                </a:solidFill>
-                <a:latin typeface="firacode" charset="0"/>
-                <a:cs typeface="firacode" charset="0"/>
-              </a:rPr>
-              <a:t>Output :</a:t>
-            </a:r>
-            <a:endParaRPr lang="en-US" sz="2000">
-              <a:solidFill>
-                <a:srgbClr val="FF0000"/>
-              </a:solidFill>
-              <a:latin typeface="firacode" charset="0"/>
-              <a:cs typeface="firacode" charset="0"/>
-            </a:endParaRPr>
-          </a:p>
-        </p:txBody>
-      </p:sp>
-      <p:sp>
-        <p:nvSpPr>
-          <p:cNvPr id="11" name="Text Box 10"/>
-          <p:cNvSpPr txBox="1"/>
-          <p:nvPr/>
-        </p:nvSpPr>
-        <p:spPr>
-          <a:xfrm>
-            <a:off x="1501140" y="1579245"/>
-            <a:ext cx="7256145" cy="306705"/>
-          </a:xfrm>
-          <a:prstGeom prst="rect">
-            <a:avLst/>
-          </a:prstGeom>
-          <a:noFill/>
-        </p:spPr>
-        <p:txBody>
-          <a:bodyPr wrap="square" rtlCol="0">
-            <a:spAutoFit/>
-          </a:bodyPr>
-          <a:p>
-            <a:pPr marL="285750" indent="-285750">
-              <a:buClr>
-                <a:srgbClr val="FFFFFF"/>
-              </a:buClr>
-              <a:buFont typeface="Wingdings" panose="05000000000000000000" charset="0"/>
-              <a:buChar char="v"/>
-            </a:pPr>
-            <a:endParaRPr lang="en-US">
-              <a:solidFill>
-                <a:schemeClr val="accent6"/>
-              </a:solidFill>
-              <a:latin typeface="firacode" charset="0"/>
-              <a:cs typeface="firacode" charset="0"/>
-            </a:endParaRPr>
-          </a:p>
-        </p:txBody>
-      </p:sp>
-      <p:pic>
-        <p:nvPicPr>
-          <p:cNvPr id="2" name="Picture 1" descr="type5"/>
-          <p:cNvPicPr>
-            <a:picLocks noChangeAspect="1"/>
-          </p:cNvPicPr>
-          <p:nvPr/>
-        </p:nvPicPr>
-        <p:blipFill>
-          <a:blip r:embed="rId1"/>
-          <a:srcRect l="9014" t="17274" r="8859" b="16946"/>
-          <a:stretch>
-            <a:fillRect/>
-          </a:stretch>
-        </p:blipFill>
-        <p:spPr>
-          <a:xfrm>
-            <a:off x="2253615" y="1885950"/>
-            <a:ext cx="5321300" cy="1964055"/>
+            <a:off x="5573395" y="1824990"/>
+            <a:ext cx="2948305" cy="1849120"/>
           </a:xfrm>
           <a:prstGeom prst="rect">
             <a:avLst/>
@@ -14702,23 +14421,27 @@
       </p:sp>
       <p:pic>
         <p:nvPicPr>
-          <p:cNvPr id="3" name="Picture 2" descr="multi1"/>
+          <p:cNvPr id="2" name="Picture 1"/>
           <p:cNvPicPr>
             <a:picLocks noChangeAspect="1"/>
           </p:cNvPicPr>
-          <p:nvPr/>
+          <p:nvPr>
+            <p:custDataLst>
+              <p:tags r:id="rId1"/>
+            </p:custDataLst>
+          </p:nvPr>
         </p:nvPicPr>
         <p:blipFill>
-          <a:blip r:embed="rId1"/>
-          <a:srcRect l="6164" t="10420" r="6193" b="10235"/>
+          <a:blip r:embed="rId2"/>
+          <a:srcRect l="4797" t="8705" r="5394" b="8221"/>
           <a:stretch>
             <a:fillRect/>
           </a:stretch>
         </p:blipFill>
         <p:spPr>
           <a:xfrm>
-            <a:off x="1159510" y="617855"/>
-            <a:ext cx="3979545" cy="3547745"/>
+            <a:off x="1264285" y="1247775"/>
+            <a:ext cx="3657600" cy="3223260"/>
           </a:xfrm>
           <a:prstGeom prst="rect">
             <a:avLst/>
@@ -14727,29 +14450,78 @@
       </p:pic>
       <p:pic>
         <p:nvPicPr>
-          <p:cNvPr id="4" name="Picture 3" descr="multi3"/>
+          <p:cNvPr id="5" name="Picture 4"/>
           <p:cNvPicPr>
             <a:picLocks noChangeAspect="1"/>
           </p:cNvPicPr>
-          <p:nvPr/>
+          <p:nvPr>
+            <p:custDataLst>
+              <p:tags r:id="rId3"/>
+            </p:custDataLst>
+          </p:nvPr>
         </p:nvPicPr>
         <p:blipFill>
-          <a:blip r:embed="rId2"/>
-          <a:srcRect l="5928" t="7211" r="6301" b="7396"/>
+          <a:blip r:embed="rId4"/>
+          <a:srcRect l="5376" t="7699" r="5934" b="6879"/>
           <a:stretch>
             <a:fillRect/>
           </a:stretch>
         </p:blipFill>
         <p:spPr>
           <a:xfrm>
-            <a:off x="5525770" y="803275"/>
-            <a:ext cx="3371850" cy="3415665"/>
+            <a:off x="5226685" y="852170"/>
+            <a:ext cx="3530600" cy="3241040"/>
           </a:xfrm>
           <a:prstGeom prst="rect">
             <a:avLst/>
           </a:prstGeom>
         </p:spPr>
       </p:pic>
+      <p:sp>
+        <p:nvSpPr>
+          <p:cNvPr id="8" name="Text Box 7"/>
+          <p:cNvSpPr txBox="1"/>
+          <p:nvPr>
+            <p:custDataLst>
+              <p:tags r:id="rId5"/>
+            </p:custDataLst>
+          </p:nvPr>
+        </p:nvSpPr>
+        <p:spPr>
+          <a:xfrm>
+            <a:off x="1142365" y="624840"/>
+            <a:ext cx="4279900" cy="398780"/>
+          </a:xfrm>
+          <a:prstGeom prst="rect">
+            <a:avLst/>
+          </a:prstGeom>
+          <a:noFill/>
+        </p:spPr>
+        <p:txBody>
+          <a:bodyPr wrap="square" rtlCol="0">
+            <a:spAutoFit/>
+          </a:bodyPr>
+          <a:p>
+            <a:r>
+              <a:rPr lang="en-US" sz="2000">
+                <a:solidFill>
+                  <a:srgbClr val="FF0000"/>
+                </a:solidFill>
+                <a:latin typeface="firacode" charset="0"/>
+                <a:cs typeface="firacode" charset="0"/>
+              </a:rPr>
+              <a:t>Using Thread Class :</a:t>
+            </a:r>
+            <a:endParaRPr lang="en-US" sz="2000">
+              <a:solidFill>
+                <a:srgbClr val="FF0000"/>
+              </a:solidFill>
+              <a:latin typeface="firacode" charset="0"/>
+              <a:cs typeface="firacode" charset="0"/>
+            </a:endParaRPr>
+          </a:p>
+        </p:txBody>
+      </p:sp>
     </p:spTree>
   </p:cSld>
   <p:clrMapOvr>
@@ -14850,6 +14622,48 @@
 </file>
 
 <file path=ppt/tags/tag22.xml><?xml version="1.0" encoding="utf-8"?>
+<p:tagLst xmlns:p="http://schemas.openxmlformats.org/presentationml/2006/main">
+  <p:tag name="KSO_WM_BEAUTIFY_FLAG" val=""/>
+</p:tagLst>
+</file>
+
+<file path=ppt/tags/tag23.xml><?xml version="1.0" encoding="utf-8"?>
+<p:tagLst xmlns:p="http://schemas.openxmlformats.org/presentationml/2006/main">
+  <p:tag name="KSO_WM_BEAUTIFY_FLAG" val=""/>
+</p:tagLst>
+</file>
+
+<file path=ppt/tags/tag24.xml><?xml version="1.0" encoding="utf-8"?>
+<p:tagLst xmlns:p="http://schemas.openxmlformats.org/presentationml/2006/main">
+  <p:tag name="KSO_WM_BEAUTIFY_FLAG" val=""/>
+</p:tagLst>
+</file>
+
+<file path=ppt/tags/tag25.xml><?xml version="1.0" encoding="utf-8"?>
+<p:tagLst xmlns:p="http://schemas.openxmlformats.org/presentationml/2006/main">
+  <p:tag name="KSO_WM_BEAUTIFY_FLAG" val=""/>
+</p:tagLst>
+</file>
+
+<file path=ppt/tags/tag26.xml><?xml version="1.0" encoding="utf-8"?>
+<p:tagLst xmlns:p="http://schemas.openxmlformats.org/presentationml/2006/main">
+  <p:tag name="KSO_WM_BEAUTIFY_FLAG" val=""/>
+</p:tagLst>
+</file>
+
+<file path=ppt/tags/tag27.xml><?xml version="1.0" encoding="utf-8"?>
+<p:tagLst xmlns:p="http://schemas.openxmlformats.org/presentationml/2006/main">
+  <p:tag name="KSO_WM_BEAUTIFY_FLAG" val=""/>
+</p:tagLst>
+</file>
+
+<file path=ppt/tags/tag28.xml><?xml version="1.0" encoding="utf-8"?>
+<p:tagLst xmlns:p="http://schemas.openxmlformats.org/presentationml/2006/main">
+  <p:tag name="KSO_WM_BEAUTIFY_FLAG" val=""/>
+</p:tagLst>
+</file>
+
+<file path=ppt/tags/tag29.xml><?xml version="1.0" encoding="utf-8"?>
 <p:tagLst xmlns:p="http://schemas.openxmlformats.org/presentationml/2006/main">
   <p:tag name="KSO_WM_BEAUTIFY_FLAG" val=""/>
 </p:tagLst>
